--- a/data/Xaringan_OCR.pptx
+++ b/data/Xaringan_OCR.pptx
@@ -118,7 +118,7 @@
   </p:defaultTextStyle>
   <p:extLst>
     <p:ext uri="{EFAFB233-063F-42B5-8137-9DF3F51BA10A}">
-      <p15:sldGuideLst xmlns:p15="http://schemas.microsoft.com/office/powerpoint/2012/main"/>
+      <p15:sldGuideLst xmlns:p15="http://schemas.microsoft.com/office/powerpoint/2012/main" xmlns=""/>
     </p:ext>
   </p:extLst>
 </p:presentation>
@@ -588,7 +588,7 @@
           <a:p>
             <a:fld id="{38884F84-B33F-4C30-87B3-8ECCEB158B8F}" type="datetimeFigureOut">
               <a:rPr lang="ko-KR" altLang="en-US" smtClean="0"/>
-              <a:t>2020-11-09</a:t>
+              <a:t>2021-01-06</a:t>
             </a:fld>
             <a:endParaRPr lang="ko-KR" altLang="en-US"/>
           </a:p>
@@ -2791,7 +2791,7 @@
           <a:p>
             <a:fld id="{5F55EA3A-AD9C-4028-B090-6FF22725185E}" type="datetimeFigureOut">
               <a:rPr lang="ko-KR" altLang="en-US" smtClean="0"/>
-              <a:t>2020-11-09</a:t>
+              <a:t>2021-01-06</a:t>
             </a:fld>
             <a:endParaRPr lang="ko-KR" altLang="en-US"/>
           </a:p>
@@ -3001,7 +3001,7 @@
           <a:p>
             <a:fld id="{5F55EA3A-AD9C-4028-B090-6FF22725185E}" type="datetimeFigureOut">
               <a:rPr lang="ko-KR" altLang="en-US" smtClean="0"/>
-              <a:t>2020-11-09</a:t>
+              <a:t>2021-01-06</a:t>
             </a:fld>
             <a:endParaRPr lang="ko-KR" altLang="en-US"/>
           </a:p>
@@ -3211,7 +3211,7 @@
           <a:p>
             <a:fld id="{5F55EA3A-AD9C-4028-B090-6FF22725185E}" type="datetimeFigureOut">
               <a:rPr lang="ko-KR" altLang="en-US" smtClean="0"/>
-              <a:t>2020-11-09</a:t>
+              <a:t>2021-01-06</a:t>
             </a:fld>
             <a:endParaRPr lang="ko-KR" altLang="en-US"/>
           </a:p>
@@ -3421,7 +3421,7 @@
           <a:p>
             <a:fld id="{5F55EA3A-AD9C-4028-B090-6FF22725185E}" type="datetimeFigureOut">
               <a:rPr lang="ko-KR" altLang="en-US" smtClean="0"/>
-              <a:t>2020-11-09</a:t>
+              <a:t>2021-01-06</a:t>
             </a:fld>
             <a:endParaRPr lang="ko-KR" altLang="en-US"/>
           </a:p>
@@ -3695,7 +3695,7 @@
           <a:p>
             <a:fld id="{5F55EA3A-AD9C-4028-B090-6FF22725185E}" type="datetimeFigureOut">
               <a:rPr lang="ko-KR" altLang="en-US" smtClean="0"/>
-              <a:t>2020-11-09</a:t>
+              <a:t>2021-01-06</a:t>
             </a:fld>
             <a:endParaRPr lang="ko-KR" altLang="en-US"/>
           </a:p>
@@ -3965,7 +3965,7 @@
           <a:p>
             <a:fld id="{5F55EA3A-AD9C-4028-B090-6FF22725185E}" type="datetimeFigureOut">
               <a:rPr lang="ko-KR" altLang="en-US" smtClean="0"/>
-              <a:t>2020-11-09</a:t>
+              <a:t>2021-01-06</a:t>
             </a:fld>
             <a:endParaRPr lang="ko-KR" altLang="en-US"/>
           </a:p>
@@ -4371,7 +4371,7 @@
           <a:p>
             <a:fld id="{5F55EA3A-AD9C-4028-B090-6FF22725185E}" type="datetimeFigureOut">
               <a:rPr lang="ko-KR" altLang="en-US" smtClean="0"/>
-              <a:t>2020-11-09</a:t>
+              <a:t>2021-01-06</a:t>
             </a:fld>
             <a:endParaRPr lang="ko-KR" altLang="en-US"/>
           </a:p>
@@ -4521,7 +4521,7 @@
           <a:p>
             <a:fld id="{5F55EA3A-AD9C-4028-B090-6FF22725185E}" type="datetimeFigureOut">
               <a:rPr lang="ko-KR" altLang="en-US" smtClean="0"/>
-              <a:t>2020-11-09</a:t>
+              <a:t>2021-01-06</a:t>
             </a:fld>
             <a:endParaRPr lang="ko-KR" altLang="en-US"/>
           </a:p>
@@ -4640,7 +4640,7 @@
           <a:p>
             <a:fld id="{5F55EA3A-AD9C-4028-B090-6FF22725185E}" type="datetimeFigureOut">
               <a:rPr lang="ko-KR" altLang="en-US" smtClean="0"/>
-              <a:t>2020-11-09</a:t>
+              <a:t>2021-01-06</a:t>
             </a:fld>
             <a:endParaRPr lang="ko-KR" altLang="en-US"/>
           </a:p>
@@ -4950,7 +4950,7 @@
           <a:p>
             <a:fld id="{5F55EA3A-AD9C-4028-B090-6FF22725185E}" type="datetimeFigureOut">
               <a:rPr lang="ko-KR" altLang="en-US" smtClean="0"/>
-              <a:t>2020-11-09</a:t>
+              <a:t>2021-01-06</a:t>
             </a:fld>
             <a:endParaRPr lang="ko-KR" altLang="en-US"/>
           </a:p>
@@ -5240,7 +5240,7 @@
           <a:p>
             <a:fld id="{5F55EA3A-AD9C-4028-B090-6FF22725185E}" type="datetimeFigureOut">
               <a:rPr lang="ko-KR" altLang="en-US" smtClean="0"/>
-              <a:t>2020-11-09</a:t>
+              <a:t>2021-01-06</a:t>
             </a:fld>
             <a:endParaRPr lang="ko-KR" altLang="en-US"/>
           </a:p>
@@ -5763,7 +5763,7 @@
           <p:cNvPr id="2" name="TextBox 1">
             <a:extLst>
               <a:ext uri="{FF2B5EF4-FFF2-40B4-BE49-F238E27FC236}">
-                <a16:creationId xmlns:a16="http://schemas.microsoft.com/office/drawing/2014/main" id="{B62E9105-17AA-4EB3-BAED-A4AA274B641D}"/>
+                <a16:creationId xmlns:a16="http://schemas.microsoft.com/office/drawing/2014/main" xmlns="" id="{B62E9105-17AA-4EB3-BAED-A4AA274B641D}"/>
               </a:ext>
             </a:extLst>
           </p:cNvPr>
@@ -5806,7 +5806,7 @@
           <p:cNvPr id="8" name="Rectangle 7">
             <a:extLst>
               <a:ext uri="{FF2B5EF4-FFF2-40B4-BE49-F238E27FC236}">
-                <a16:creationId xmlns:a16="http://schemas.microsoft.com/office/drawing/2014/main" id="{77A3139A-6E53-466A-8516-6813F467CE40}"/>
+                <a16:creationId xmlns:a16="http://schemas.microsoft.com/office/drawing/2014/main" xmlns="" id="{77A3139A-6E53-466A-8516-6813F467CE40}"/>
               </a:ext>
             </a:extLst>
           </p:cNvPr>
@@ -5943,7 +5943,7 @@
           <p:cNvPr id="2" name="TextBox 1">
             <a:extLst>
               <a:ext uri="{FF2B5EF4-FFF2-40B4-BE49-F238E27FC236}">
-                <a16:creationId xmlns:a16="http://schemas.microsoft.com/office/drawing/2014/main" id="{B62E9105-17AA-4EB3-BAED-A4AA274B641D}"/>
+                <a16:creationId xmlns:a16="http://schemas.microsoft.com/office/drawing/2014/main" xmlns="" id="{B62E9105-17AA-4EB3-BAED-A4AA274B641D}"/>
               </a:ext>
             </a:extLst>
           </p:cNvPr>
@@ -6027,7 +6027,7 @@
           <p:cNvPr id="2" name="TextBox 1">
             <a:extLst>
               <a:ext uri="{FF2B5EF4-FFF2-40B4-BE49-F238E27FC236}">
-                <a16:creationId xmlns:a16="http://schemas.microsoft.com/office/drawing/2014/main" id="{B62E9105-17AA-4EB3-BAED-A4AA274B641D}"/>
+                <a16:creationId xmlns:a16="http://schemas.microsoft.com/office/drawing/2014/main" xmlns="" id="{B62E9105-17AA-4EB3-BAED-A4AA274B641D}"/>
               </a:ext>
             </a:extLst>
           </p:cNvPr>
@@ -6071,7 +6071,7 @@
           <p:cNvPr id="6" name="TextBox 5">
             <a:extLst>
               <a:ext uri="{FF2B5EF4-FFF2-40B4-BE49-F238E27FC236}">
-                <a16:creationId xmlns:a16="http://schemas.microsoft.com/office/drawing/2014/main" id="{1583877C-80D2-4955-9D41-F69E7399A32B}"/>
+                <a16:creationId xmlns:a16="http://schemas.microsoft.com/office/drawing/2014/main" xmlns="" id="{1583877C-80D2-4955-9D41-F69E7399A32B}"/>
               </a:ext>
             </a:extLst>
           </p:cNvPr>
@@ -6191,7 +6191,7 @@
           <p:cNvPr id="2" name="TextBox 1">
             <a:extLst>
               <a:ext uri="{FF2B5EF4-FFF2-40B4-BE49-F238E27FC236}">
-                <a16:creationId xmlns:a16="http://schemas.microsoft.com/office/drawing/2014/main" id="{B62E9105-17AA-4EB3-BAED-A4AA274B641D}"/>
+                <a16:creationId xmlns:a16="http://schemas.microsoft.com/office/drawing/2014/main" xmlns="" id="{B62E9105-17AA-4EB3-BAED-A4AA274B641D}"/>
               </a:ext>
             </a:extLst>
           </p:cNvPr>
@@ -6235,7 +6235,7 @@
           <p:cNvPr id="1026" name="Picture 2" descr="Document Engineering and Digital Labor">
             <a:extLst>
               <a:ext uri="{FF2B5EF4-FFF2-40B4-BE49-F238E27FC236}">
-                <a16:creationId xmlns:a16="http://schemas.microsoft.com/office/drawing/2014/main" id="{6BBF338F-260A-43AE-A99B-02169409A3BF}"/>
+                <a16:creationId xmlns:a16="http://schemas.microsoft.com/office/drawing/2014/main" xmlns="" id="{6BBF338F-260A-43AE-A99B-02169409A3BF}"/>
               </a:ext>
             </a:extLst>
           </p:cNvPr>
@@ -6282,7 +6282,7 @@
           <p:cNvPr id="1028" name="Picture 4" descr="Document Engineering and Digital Labor">
             <a:extLst>
               <a:ext uri="{FF2B5EF4-FFF2-40B4-BE49-F238E27FC236}">
-                <a16:creationId xmlns:a16="http://schemas.microsoft.com/office/drawing/2014/main" id="{0F47FE50-4AB6-4444-885B-C08E2732A5CB}"/>
+                <a16:creationId xmlns:a16="http://schemas.microsoft.com/office/drawing/2014/main" xmlns="" id="{0F47FE50-4AB6-4444-885B-C08E2732A5CB}"/>
               </a:ext>
             </a:extLst>
           </p:cNvPr>
@@ -6329,7 +6329,7 @@
           <p:cNvPr id="4" name="Rectangle 3">
             <a:extLst>
               <a:ext uri="{FF2B5EF4-FFF2-40B4-BE49-F238E27FC236}">
-                <a16:creationId xmlns:a16="http://schemas.microsoft.com/office/drawing/2014/main" id="{B291CACB-509C-4842-B094-BD28075241B9}"/>
+                <a16:creationId xmlns:a16="http://schemas.microsoft.com/office/drawing/2014/main" xmlns="" id="{B291CACB-509C-4842-B094-BD28075241B9}"/>
               </a:ext>
             </a:extLst>
           </p:cNvPr>
@@ -6390,7 +6390,7 @@
           <p:cNvPr id="10" name="Rectangle 9">
             <a:extLst>
               <a:ext uri="{FF2B5EF4-FFF2-40B4-BE49-F238E27FC236}">
-                <a16:creationId xmlns:a16="http://schemas.microsoft.com/office/drawing/2014/main" id="{CC483AD9-7DD2-445C-9ED5-537431E1CFFB}"/>
+                <a16:creationId xmlns:a16="http://schemas.microsoft.com/office/drawing/2014/main" xmlns="" id="{CC483AD9-7DD2-445C-9ED5-537431E1CFFB}"/>
               </a:ext>
             </a:extLst>
           </p:cNvPr>
@@ -6463,7 +6463,7 @@
           <p:cNvPr id="2" name="TextBox 1">
             <a:extLst>
               <a:ext uri="{FF2B5EF4-FFF2-40B4-BE49-F238E27FC236}">
-                <a16:creationId xmlns:a16="http://schemas.microsoft.com/office/drawing/2014/main" id="{B62E9105-17AA-4EB3-BAED-A4AA274B641D}"/>
+                <a16:creationId xmlns:a16="http://schemas.microsoft.com/office/drawing/2014/main" xmlns="" id="{B62E9105-17AA-4EB3-BAED-A4AA274B641D}"/>
               </a:ext>
             </a:extLst>
           </p:cNvPr>
@@ -6507,7 +6507,7 @@
           <p:cNvPr id="10" name="Rectangle 9">
             <a:extLst>
               <a:ext uri="{FF2B5EF4-FFF2-40B4-BE49-F238E27FC236}">
-                <a16:creationId xmlns:a16="http://schemas.microsoft.com/office/drawing/2014/main" id="{CC483AD9-7DD2-445C-9ED5-537431E1CFFB}"/>
+                <a16:creationId xmlns:a16="http://schemas.microsoft.com/office/drawing/2014/main" xmlns="" id="{CC483AD9-7DD2-445C-9ED5-537431E1CFFB}"/>
               </a:ext>
             </a:extLst>
           </p:cNvPr>
@@ -6544,7 +6544,7 @@
           <p:cNvPr id="1030" name="Picture 6" descr="&quot;What Is a Scientific Paper?&quot;">
             <a:extLst>
               <a:ext uri="{FF2B5EF4-FFF2-40B4-BE49-F238E27FC236}">
-                <a16:creationId xmlns:a16="http://schemas.microsoft.com/office/drawing/2014/main" id="{70CF7E90-CFF4-457C-AEAC-9D8C31442B2D}"/>
+                <a16:creationId xmlns:a16="http://schemas.microsoft.com/office/drawing/2014/main" xmlns="" id="{70CF7E90-CFF4-457C-AEAC-9D8C31442B2D}"/>
               </a:ext>
             </a:extLst>
           </p:cNvPr>
@@ -6591,7 +6591,7 @@
           <p:cNvPr id="7" name="Rectangle 6">
             <a:extLst>
               <a:ext uri="{FF2B5EF4-FFF2-40B4-BE49-F238E27FC236}">
-                <a16:creationId xmlns:a16="http://schemas.microsoft.com/office/drawing/2014/main" id="{189B9AB7-DDFC-42F2-85BE-9445D82D6253}"/>
+                <a16:creationId xmlns:a16="http://schemas.microsoft.com/office/drawing/2014/main" xmlns="" id="{189B9AB7-DDFC-42F2-85BE-9445D82D6253}"/>
               </a:ext>
             </a:extLst>
           </p:cNvPr>
@@ -6660,7 +6660,7 @@
           <p:cNvPr id="2" name="TextBox 1">
             <a:extLst>
               <a:ext uri="{FF2B5EF4-FFF2-40B4-BE49-F238E27FC236}">
-                <a16:creationId xmlns:a16="http://schemas.microsoft.com/office/drawing/2014/main" id="{B62E9105-17AA-4EB3-BAED-A4AA274B641D}"/>
+                <a16:creationId xmlns:a16="http://schemas.microsoft.com/office/drawing/2014/main" xmlns="" id="{B62E9105-17AA-4EB3-BAED-A4AA274B641D}"/>
               </a:ext>
             </a:extLst>
           </p:cNvPr>
@@ -6698,7 +6698,7 @@
           <p:cNvPr id="10" name="Rectangle 9">
             <a:extLst>
               <a:ext uri="{FF2B5EF4-FFF2-40B4-BE49-F238E27FC236}">
-                <a16:creationId xmlns:a16="http://schemas.microsoft.com/office/drawing/2014/main" id="{CC483AD9-7DD2-445C-9ED5-537431E1CFFB}"/>
+                <a16:creationId xmlns:a16="http://schemas.microsoft.com/office/drawing/2014/main" xmlns="" id="{CC483AD9-7DD2-445C-9ED5-537431E1CFFB}"/>
               </a:ext>
             </a:extLst>
           </p:cNvPr>
@@ -6735,7 +6735,7 @@
           <p:cNvPr id="7" name="Rectangle 6">
             <a:extLst>
               <a:ext uri="{FF2B5EF4-FFF2-40B4-BE49-F238E27FC236}">
-                <a16:creationId xmlns:a16="http://schemas.microsoft.com/office/drawing/2014/main" id="{189B9AB7-DDFC-42F2-85BE-9445D82D6253}"/>
+                <a16:creationId xmlns:a16="http://schemas.microsoft.com/office/drawing/2014/main" xmlns="" id="{189B9AB7-DDFC-42F2-85BE-9445D82D6253}"/>
               </a:ext>
             </a:extLst>
           </p:cNvPr>
@@ -6774,7 +6774,7 @@
           <p:cNvPr id="3074" name="Picture 2">
             <a:extLst>
               <a:ext uri="{FF2B5EF4-FFF2-40B4-BE49-F238E27FC236}">
-                <a16:creationId xmlns:a16="http://schemas.microsoft.com/office/drawing/2014/main" id="{34BFA445-11D2-4018-91FF-67CA0A0F715F}"/>
+                <a16:creationId xmlns:a16="http://schemas.microsoft.com/office/drawing/2014/main" xmlns="" id="{34BFA445-11D2-4018-91FF-67CA0A0F715F}"/>
               </a:ext>
             </a:extLst>
           </p:cNvPr>
@@ -6821,7 +6821,7 @@
           <p:cNvPr id="3076" name="Picture 4">
             <a:extLst>
               <a:ext uri="{FF2B5EF4-FFF2-40B4-BE49-F238E27FC236}">
-                <a16:creationId xmlns:a16="http://schemas.microsoft.com/office/drawing/2014/main" id="{CA38ECE7-D439-4A4D-AA18-6E3213A8DB6F}"/>
+                <a16:creationId xmlns:a16="http://schemas.microsoft.com/office/drawing/2014/main" xmlns="" id="{CA38ECE7-D439-4A4D-AA18-6E3213A8DB6F}"/>
               </a:ext>
             </a:extLst>
           </p:cNvPr>
@@ -6898,7 +6898,7 @@
           <p:cNvPr id="2" name="TextBox 1">
             <a:extLst>
               <a:ext uri="{FF2B5EF4-FFF2-40B4-BE49-F238E27FC236}">
-                <a16:creationId xmlns:a16="http://schemas.microsoft.com/office/drawing/2014/main" id="{B62E9105-17AA-4EB3-BAED-A4AA274B641D}"/>
+                <a16:creationId xmlns:a16="http://schemas.microsoft.com/office/drawing/2014/main" xmlns="" id="{B62E9105-17AA-4EB3-BAED-A4AA274B641D}"/>
               </a:ext>
             </a:extLst>
           </p:cNvPr>
@@ -6942,7 +6942,7 @@
           <p:cNvPr id="5122" name="Picture 2" descr="1-Why">
             <a:extLst>
               <a:ext uri="{FF2B5EF4-FFF2-40B4-BE49-F238E27FC236}">
-                <a16:creationId xmlns:a16="http://schemas.microsoft.com/office/drawing/2014/main" id="{45575DE0-C65D-4F6E-BF86-D8E8FEBFBBB5}"/>
+                <a16:creationId xmlns:a16="http://schemas.microsoft.com/office/drawing/2014/main" xmlns="" id="{45575DE0-C65D-4F6E-BF86-D8E8FEBFBBB5}"/>
               </a:ext>
             </a:extLst>
           </p:cNvPr>
@@ -6989,7 +6989,7 @@
           <p:cNvPr id="5124" name="Picture 4" descr="plot of chunk rmd_to_html_fig">
             <a:extLst>
               <a:ext uri="{FF2B5EF4-FFF2-40B4-BE49-F238E27FC236}">
-                <a16:creationId xmlns:a16="http://schemas.microsoft.com/office/drawing/2014/main" id="{BFFE959C-8E56-4937-9AE2-E6B384753852}"/>
+                <a16:creationId xmlns:a16="http://schemas.microsoft.com/office/drawing/2014/main" xmlns="" id="{BFFE959C-8E56-4937-9AE2-E6B384753852}"/>
               </a:ext>
             </a:extLst>
           </p:cNvPr>
@@ -7036,7 +7036,7 @@
           <p:cNvPr id="4" name="Rectangle 3">
             <a:extLst>
               <a:ext uri="{FF2B5EF4-FFF2-40B4-BE49-F238E27FC236}">
-                <a16:creationId xmlns:a16="http://schemas.microsoft.com/office/drawing/2014/main" id="{622247DA-26E3-4F1A-B24C-174A4DA57F9C}"/>
+                <a16:creationId xmlns:a16="http://schemas.microsoft.com/office/drawing/2014/main" xmlns="" id="{622247DA-26E3-4F1A-B24C-174A4DA57F9C}"/>
               </a:ext>
             </a:extLst>
           </p:cNvPr>
@@ -7273,7 +7273,7 @@
           <p:cNvPr id="11" name="Rectangle 10">
             <a:extLst>
               <a:ext uri="{FF2B5EF4-FFF2-40B4-BE49-F238E27FC236}">
-                <a16:creationId xmlns:a16="http://schemas.microsoft.com/office/drawing/2014/main" id="{ACB5CB1A-CDEB-4480-91D6-942BF2F0D4B7}"/>
+                <a16:creationId xmlns:a16="http://schemas.microsoft.com/office/drawing/2014/main" xmlns="" id="{ACB5CB1A-CDEB-4480-91D6-942BF2F0D4B7}"/>
               </a:ext>
             </a:extLst>
           </p:cNvPr>
@@ -7310,7 +7310,7 @@
           <p:cNvPr id="12" name="Rectangle 11">
             <a:extLst>
               <a:ext uri="{FF2B5EF4-FFF2-40B4-BE49-F238E27FC236}">
-                <a16:creationId xmlns:a16="http://schemas.microsoft.com/office/drawing/2014/main" id="{A4ADB119-4268-4241-AF38-D5D5BCCAB100}"/>
+                <a16:creationId xmlns:a16="http://schemas.microsoft.com/office/drawing/2014/main" xmlns="" id="{A4ADB119-4268-4241-AF38-D5D5BCCAB100}"/>
               </a:ext>
             </a:extLst>
           </p:cNvPr>
@@ -7347,7 +7347,7 @@
           <p:cNvPr id="13" name="Rectangle 12">
             <a:extLst>
               <a:ext uri="{FF2B5EF4-FFF2-40B4-BE49-F238E27FC236}">
-                <a16:creationId xmlns:a16="http://schemas.microsoft.com/office/drawing/2014/main" id="{5348D11B-70E5-406B-9948-6791980975B9}"/>
+                <a16:creationId xmlns:a16="http://schemas.microsoft.com/office/drawing/2014/main" xmlns="" id="{5348D11B-70E5-406B-9948-6791980975B9}"/>
               </a:ext>
             </a:extLst>
           </p:cNvPr>
@@ -7414,7 +7414,7 @@
           <p:cNvPr id="2" name="TextBox 1">
             <a:extLst>
               <a:ext uri="{FF2B5EF4-FFF2-40B4-BE49-F238E27FC236}">
-                <a16:creationId xmlns:a16="http://schemas.microsoft.com/office/drawing/2014/main" id="{B62E9105-17AA-4EB3-BAED-A4AA274B641D}"/>
+                <a16:creationId xmlns:a16="http://schemas.microsoft.com/office/drawing/2014/main" xmlns="" id="{B62E9105-17AA-4EB3-BAED-A4AA274B641D}"/>
               </a:ext>
             </a:extLst>
           </p:cNvPr>
@@ -7452,7 +7452,7 @@
           <p:cNvPr id="6146" name="Picture 2" descr="재현가능한 과학연구를 위한 저작 방법">
             <a:extLst>
               <a:ext uri="{FF2B5EF4-FFF2-40B4-BE49-F238E27FC236}">
-                <a16:creationId xmlns:a16="http://schemas.microsoft.com/office/drawing/2014/main" id="{A9C86320-57D5-49A0-9DA0-644FFC98EC05}"/>
+                <a16:creationId xmlns:a16="http://schemas.microsoft.com/office/drawing/2014/main" xmlns="" id="{A9C86320-57D5-49A0-9DA0-644FFC98EC05}"/>
               </a:ext>
             </a:extLst>
           </p:cNvPr>
@@ -7499,7 +7499,7 @@
           <p:cNvPr id="3" name="Rectangle 2">
             <a:extLst>
               <a:ext uri="{FF2B5EF4-FFF2-40B4-BE49-F238E27FC236}">
-                <a16:creationId xmlns:a16="http://schemas.microsoft.com/office/drawing/2014/main" id="{0854090B-EE90-4E61-BFFF-846337EAE3D5}"/>
+                <a16:creationId xmlns:a16="http://schemas.microsoft.com/office/drawing/2014/main" xmlns="" id="{0854090B-EE90-4E61-BFFF-846337EAE3D5}"/>
               </a:ext>
             </a:extLst>
           </p:cNvPr>
@@ -7541,7 +7541,7 @@
           <p:cNvPr id="15" name="Rectangle 14">
             <a:extLst>
               <a:ext uri="{FF2B5EF4-FFF2-40B4-BE49-F238E27FC236}">
-                <a16:creationId xmlns:a16="http://schemas.microsoft.com/office/drawing/2014/main" id="{FF14F8D5-1ECE-44F8-A070-9F26D0AB3623}"/>
+                <a16:creationId xmlns:a16="http://schemas.microsoft.com/office/drawing/2014/main" xmlns="" id="{FF14F8D5-1ECE-44F8-A070-9F26D0AB3623}"/>
               </a:ext>
             </a:extLst>
           </p:cNvPr>
@@ -7583,7 +7583,7 @@
           <p:cNvPr id="16" name="Rectangle 15">
             <a:extLst>
               <a:ext uri="{FF2B5EF4-FFF2-40B4-BE49-F238E27FC236}">
-                <a16:creationId xmlns:a16="http://schemas.microsoft.com/office/drawing/2014/main" id="{CB7B0FEC-4114-44F0-8BE2-FD1109E3CA7E}"/>
+                <a16:creationId xmlns:a16="http://schemas.microsoft.com/office/drawing/2014/main" xmlns="" id="{CB7B0FEC-4114-44F0-8BE2-FD1109E3CA7E}"/>
               </a:ext>
             </a:extLst>
           </p:cNvPr>
@@ -7625,7 +7625,7 @@
           <p:cNvPr id="17" name="Rectangle 16">
             <a:extLst>
               <a:ext uri="{FF2B5EF4-FFF2-40B4-BE49-F238E27FC236}">
-                <a16:creationId xmlns:a16="http://schemas.microsoft.com/office/drawing/2014/main" id="{48475CC5-9263-4C16-8A85-75D30D7776B1}"/>
+                <a16:creationId xmlns:a16="http://schemas.microsoft.com/office/drawing/2014/main" xmlns="" id="{48475CC5-9263-4C16-8A85-75D30D7776B1}"/>
               </a:ext>
             </a:extLst>
           </p:cNvPr>
@@ -7674,7 +7674,7 @@
           <p:cNvPr id="18" name="Rectangle 17">
             <a:extLst>
               <a:ext uri="{FF2B5EF4-FFF2-40B4-BE49-F238E27FC236}">
-                <a16:creationId xmlns:a16="http://schemas.microsoft.com/office/drawing/2014/main" id="{1C3E6662-DED9-4E11-9A19-029CD3887E3B}"/>
+                <a16:creationId xmlns:a16="http://schemas.microsoft.com/office/drawing/2014/main" xmlns="" id="{1C3E6662-DED9-4E11-9A19-029CD3887E3B}"/>
               </a:ext>
             </a:extLst>
           </p:cNvPr>
@@ -7753,7 +7753,7 @@
           <p:cNvPr id="2" name="TextBox 1">
             <a:extLst>
               <a:ext uri="{FF2B5EF4-FFF2-40B4-BE49-F238E27FC236}">
-                <a16:creationId xmlns:a16="http://schemas.microsoft.com/office/drawing/2014/main" id="{B62E9105-17AA-4EB3-BAED-A4AA274B641D}"/>
+                <a16:creationId xmlns:a16="http://schemas.microsoft.com/office/drawing/2014/main" xmlns="" id="{B62E9105-17AA-4EB3-BAED-A4AA274B641D}"/>
               </a:ext>
             </a:extLst>
           </p:cNvPr>
@@ -7797,7 +7797,7 @@
           <p:cNvPr id="4107" name="Picture 11" descr="Extract Icons - Download Free Vector Icons | Noun Project">
             <a:extLst>
               <a:ext uri="{FF2B5EF4-FFF2-40B4-BE49-F238E27FC236}">
-                <a16:creationId xmlns:a16="http://schemas.microsoft.com/office/drawing/2014/main" id="{5264F35B-484F-4344-916D-04C919D44271}"/>
+                <a16:creationId xmlns:a16="http://schemas.microsoft.com/office/drawing/2014/main" xmlns="" id="{5264F35B-484F-4344-916D-04C919D44271}"/>
               </a:ext>
             </a:extLst>
           </p:cNvPr>
@@ -7844,7 +7844,7 @@
           <p:cNvPr id="18" name="Rectangle 17">
             <a:extLst>
               <a:ext uri="{FF2B5EF4-FFF2-40B4-BE49-F238E27FC236}">
-                <a16:creationId xmlns:a16="http://schemas.microsoft.com/office/drawing/2014/main" id="{01835E28-205A-454B-8C91-E439D6100B63}"/>
+                <a16:creationId xmlns:a16="http://schemas.microsoft.com/office/drawing/2014/main" xmlns="" id="{01835E28-205A-454B-8C91-E439D6100B63}"/>
               </a:ext>
             </a:extLst>
           </p:cNvPr>
@@ -8008,7 +8008,7 @@
           <p:cNvPr id="4" name="Rectangle 3">
             <a:extLst>
               <a:ext uri="{FF2B5EF4-FFF2-40B4-BE49-F238E27FC236}">
-                <a16:creationId xmlns:a16="http://schemas.microsoft.com/office/drawing/2014/main" id="{6EE0299A-0D52-4129-96B7-199E22E262E0}"/>
+                <a16:creationId xmlns:a16="http://schemas.microsoft.com/office/drawing/2014/main" xmlns="" id="{6EE0299A-0D52-4129-96B7-199E22E262E0}"/>
               </a:ext>
             </a:extLst>
           </p:cNvPr>
@@ -8057,7 +8057,7 @@
           <p:cNvPr id="9" name="Rectangle 8">
             <a:extLst>
               <a:ext uri="{FF2B5EF4-FFF2-40B4-BE49-F238E27FC236}">
-                <a16:creationId xmlns:a16="http://schemas.microsoft.com/office/drawing/2014/main" id="{0169CD66-261A-409D-B113-094B1E35A91D}"/>
+                <a16:creationId xmlns:a16="http://schemas.microsoft.com/office/drawing/2014/main" xmlns="" id="{0169CD66-261A-409D-B113-094B1E35A91D}"/>
               </a:ext>
             </a:extLst>
           </p:cNvPr>
@@ -8107,7 +8107,7 @@
           <p:cNvPr id="5" name="TextBox 4">
             <a:extLst>
               <a:ext uri="{FF2B5EF4-FFF2-40B4-BE49-F238E27FC236}">
-                <a16:creationId xmlns:a16="http://schemas.microsoft.com/office/drawing/2014/main" id="{3D6DB143-6E4D-4A87-985F-0E838258736D}"/>
+                <a16:creationId xmlns:a16="http://schemas.microsoft.com/office/drawing/2014/main" xmlns="" id="{3D6DB143-6E4D-4A87-985F-0E838258736D}"/>
               </a:ext>
             </a:extLst>
           </p:cNvPr>
@@ -8875,7 +8875,7 @@
           <p:cNvPr id="4101" name="Picture 5" descr="Background Icons - Download Free Vector Icons | Noun Project">
             <a:extLst>
               <a:ext uri="{FF2B5EF4-FFF2-40B4-BE49-F238E27FC236}">
-                <a16:creationId xmlns:a16="http://schemas.microsoft.com/office/drawing/2014/main" id="{72DDEDD3-5562-4E32-9E5C-9A5515B11D74}"/>
+                <a16:creationId xmlns:a16="http://schemas.microsoft.com/office/drawing/2014/main" xmlns="" id="{72DDEDD3-5562-4E32-9E5C-9A5515B11D74}"/>
               </a:ext>
             </a:extLst>
           </p:cNvPr>
@@ -8915,7 +8915,7 @@
           <p:cNvPr id="4103" name="Picture 7" descr="Data Table Svg Png Icon Free Download (#426719) - OnlineWebFonts.COM">
             <a:extLst>
               <a:ext uri="{FF2B5EF4-FFF2-40B4-BE49-F238E27FC236}">
-                <a16:creationId xmlns:a16="http://schemas.microsoft.com/office/drawing/2014/main" id="{89644602-7BDC-4571-BA2A-BBCDAB0DADA2}"/>
+                <a16:creationId xmlns:a16="http://schemas.microsoft.com/office/drawing/2014/main" xmlns="" id="{89644602-7BDC-4571-BA2A-BBCDAB0DADA2}"/>
               </a:ext>
             </a:extLst>
           </p:cNvPr>
@@ -8965,7 +8965,7 @@
           <p:cNvPr id="4105" name="Picture 9" descr="Increasing Graph Icons - Download Free Vector Icons | Noun Project">
             <a:extLst>
               <a:ext uri="{FF2B5EF4-FFF2-40B4-BE49-F238E27FC236}">
-                <a16:creationId xmlns:a16="http://schemas.microsoft.com/office/drawing/2014/main" id="{5B855F20-BF9A-40C9-9C36-3A0E5EE4F034}"/>
+                <a16:creationId xmlns:a16="http://schemas.microsoft.com/office/drawing/2014/main" xmlns="" id="{5B855F20-BF9A-40C9-9C36-3A0E5EE4F034}"/>
               </a:ext>
             </a:extLst>
           </p:cNvPr>
@@ -9003,7 +9003,7 @@
           <p:cNvPr id="11" name="Rectangle 10">
             <a:extLst>
               <a:ext uri="{FF2B5EF4-FFF2-40B4-BE49-F238E27FC236}">
-                <a16:creationId xmlns:a16="http://schemas.microsoft.com/office/drawing/2014/main" id="{B08D66B0-4BAA-49F7-B9B9-6B9EB68F5051}"/>
+                <a16:creationId xmlns:a16="http://schemas.microsoft.com/office/drawing/2014/main" xmlns="" id="{B08D66B0-4BAA-49F7-B9B9-6B9EB68F5051}"/>
               </a:ext>
             </a:extLst>
           </p:cNvPr>
@@ -9557,7 +9557,7 @@
           <p:cNvPr id="13" name="Rectangle 12">
             <a:extLst>
               <a:ext uri="{FF2B5EF4-FFF2-40B4-BE49-F238E27FC236}">
-                <a16:creationId xmlns:a16="http://schemas.microsoft.com/office/drawing/2014/main" id="{1B50F0C2-330C-4FF1-919C-B8E2D55BE865}"/>
+                <a16:creationId xmlns:a16="http://schemas.microsoft.com/office/drawing/2014/main" xmlns="" id="{1B50F0C2-330C-4FF1-919C-B8E2D55BE865}"/>
               </a:ext>
             </a:extLst>
           </p:cNvPr>
@@ -9592,6 +9592,13 @@
                 <a:ea typeface="나눔스퀘어" panose="020B0600000101010101" pitchFamily="50" charset="-127"/>
               </a:rPr>
               <a:t>(Optical Character Recognition)</a:t>
+            </a:r>
+            <a:r>
+              <a:rPr lang="en-US" altLang="ko-KR" sz="3600" dirty="0">
+                <a:latin typeface="나눔스퀘어" panose="020B0600000101010101" pitchFamily="50" charset="-127"/>
+                <a:ea typeface="나눔스퀘어" panose="020B0600000101010101" pitchFamily="50" charset="-127"/>
+              </a:rPr>
+              <a:t/>
             </a:r>
             <a:br>
               <a:rPr lang="en-US" altLang="ko-KR" sz="3600" dirty="0">
@@ -9662,7 +9669,7 @@
           <p:cNvPr id="2" name="TextBox 1">
             <a:extLst>
               <a:ext uri="{FF2B5EF4-FFF2-40B4-BE49-F238E27FC236}">
-                <a16:creationId xmlns:a16="http://schemas.microsoft.com/office/drawing/2014/main" id="{B62E9105-17AA-4EB3-BAED-A4AA274B641D}"/>
+                <a16:creationId xmlns:a16="http://schemas.microsoft.com/office/drawing/2014/main" xmlns="" id="{B62E9105-17AA-4EB3-BAED-A4AA274B641D}"/>
               </a:ext>
             </a:extLst>
           </p:cNvPr>
@@ -9707,7 +9714,7 @@
           <p:cNvPr id="7" name="직사각형 22">
             <a:extLst>
               <a:ext uri="{FF2B5EF4-FFF2-40B4-BE49-F238E27FC236}">
-                <a16:creationId xmlns:a16="http://schemas.microsoft.com/office/drawing/2014/main" id="{860DD3D8-CAB7-4E89-8175-79B395C96DEA}"/>
+                <a16:creationId xmlns:a16="http://schemas.microsoft.com/office/drawing/2014/main" xmlns="" id="{860DD3D8-CAB7-4E89-8175-79B395C96DEA}"/>
               </a:ext>
             </a:extLst>
           </p:cNvPr>
@@ -9759,7 +9766,7 @@
           <p:cNvPr id="8" name="직사각형 23">
             <a:extLst>
               <a:ext uri="{FF2B5EF4-FFF2-40B4-BE49-F238E27FC236}">
-                <a16:creationId xmlns:a16="http://schemas.microsoft.com/office/drawing/2014/main" id="{5EF2DB0A-96BD-4BAD-8114-4730805889CC}"/>
+                <a16:creationId xmlns:a16="http://schemas.microsoft.com/office/drawing/2014/main" xmlns="" id="{5EF2DB0A-96BD-4BAD-8114-4730805889CC}"/>
               </a:ext>
             </a:extLst>
           </p:cNvPr>
@@ -9817,7 +9824,7 @@
           <p:cNvPr id="10" name="직사각형 25">
             <a:extLst>
               <a:ext uri="{FF2B5EF4-FFF2-40B4-BE49-F238E27FC236}">
-                <a16:creationId xmlns:a16="http://schemas.microsoft.com/office/drawing/2014/main" id="{9AC84AC2-082B-4A76-9D2E-8ED709E439DA}"/>
+                <a16:creationId xmlns:a16="http://schemas.microsoft.com/office/drawing/2014/main" xmlns="" id="{9AC84AC2-082B-4A76-9D2E-8ED709E439DA}"/>
               </a:ext>
             </a:extLst>
           </p:cNvPr>
@@ -9869,7 +9876,7 @@
           <p:cNvPr id="12" name="직사각형 27">
             <a:extLst>
               <a:ext uri="{FF2B5EF4-FFF2-40B4-BE49-F238E27FC236}">
-                <a16:creationId xmlns:a16="http://schemas.microsoft.com/office/drawing/2014/main" id="{CD41F995-80E9-421F-B4EA-DCD331D58BDC}"/>
+                <a16:creationId xmlns:a16="http://schemas.microsoft.com/office/drawing/2014/main" xmlns="" id="{CD41F995-80E9-421F-B4EA-DCD331D58BDC}"/>
               </a:ext>
             </a:extLst>
           </p:cNvPr>
@@ -9921,7 +9928,7 @@
           <p:cNvPr id="19" name="오른쪽 화살표 38">
             <a:extLst>
               <a:ext uri="{FF2B5EF4-FFF2-40B4-BE49-F238E27FC236}">
-                <a16:creationId xmlns:a16="http://schemas.microsoft.com/office/drawing/2014/main" id="{3B252A76-97A4-4CEC-871E-75DF5B54197F}"/>
+                <a16:creationId xmlns:a16="http://schemas.microsoft.com/office/drawing/2014/main" xmlns="" id="{3B252A76-97A4-4CEC-871E-75DF5B54197F}"/>
               </a:ext>
             </a:extLst>
           </p:cNvPr>
@@ -9991,7 +9998,7 @@
           <p:cNvPr id="20" name="오른쪽 화살표 38">
             <a:extLst>
               <a:ext uri="{FF2B5EF4-FFF2-40B4-BE49-F238E27FC236}">
-                <a16:creationId xmlns:a16="http://schemas.microsoft.com/office/drawing/2014/main" id="{16CAEA50-5829-4F0E-BA3B-CCC51C18D313}"/>
+                <a16:creationId xmlns:a16="http://schemas.microsoft.com/office/drawing/2014/main" xmlns="" id="{16CAEA50-5829-4F0E-BA3B-CCC51C18D313}"/>
               </a:ext>
             </a:extLst>
           </p:cNvPr>
@@ -10061,7 +10068,7 @@
           <p:cNvPr id="21" name="직사각형 39">
             <a:extLst>
               <a:ext uri="{FF2B5EF4-FFF2-40B4-BE49-F238E27FC236}">
-                <a16:creationId xmlns:a16="http://schemas.microsoft.com/office/drawing/2014/main" id="{47C083EE-8619-4556-86EE-DF0C235A5A4C}"/>
+                <a16:creationId xmlns:a16="http://schemas.microsoft.com/office/drawing/2014/main" xmlns="" id="{47C083EE-8619-4556-86EE-DF0C235A5A4C}"/>
               </a:ext>
             </a:extLst>
           </p:cNvPr>
@@ -10097,7 +10104,7 @@
           <p:cNvPr id="22" name="object 34">
             <a:extLst>
               <a:ext uri="{FF2B5EF4-FFF2-40B4-BE49-F238E27FC236}">
-                <a16:creationId xmlns:a16="http://schemas.microsoft.com/office/drawing/2014/main" id="{52837BB9-573A-4310-A10F-80A2504F2B46}"/>
+                <a16:creationId xmlns:a16="http://schemas.microsoft.com/office/drawing/2014/main" xmlns="" id="{52837BB9-573A-4310-A10F-80A2504F2B46}"/>
               </a:ext>
             </a:extLst>
           </p:cNvPr>
@@ -10149,7 +10156,7 @@
           <p:cNvPr id="23" name="직사각형 41">
             <a:extLst>
               <a:ext uri="{FF2B5EF4-FFF2-40B4-BE49-F238E27FC236}">
-                <a16:creationId xmlns:a16="http://schemas.microsoft.com/office/drawing/2014/main" id="{3CBE80FF-9BA5-4935-9ECD-CD2DE7826E0A}"/>
+                <a16:creationId xmlns:a16="http://schemas.microsoft.com/office/drawing/2014/main" xmlns="" id="{3CBE80FF-9BA5-4935-9ECD-CD2DE7826E0A}"/>
               </a:ext>
             </a:extLst>
           </p:cNvPr>
@@ -10185,7 +10192,7 @@
           <p:cNvPr id="24" name="오른쪽 화살표 38">
             <a:extLst>
               <a:ext uri="{FF2B5EF4-FFF2-40B4-BE49-F238E27FC236}">
-                <a16:creationId xmlns:a16="http://schemas.microsoft.com/office/drawing/2014/main" id="{FD7B34BA-7A67-4DAF-A15C-69105EBEAF99}"/>
+                <a16:creationId xmlns:a16="http://schemas.microsoft.com/office/drawing/2014/main" xmlns="" id="{FD7B34BA-7A67-4DAF-A15C-69105EBEAF99}"/>
               </a:ext>
             </a:extLst>
           </p:cNvPr>
@@ -10255,7 +10262,7 @@
           <p:cNvPr id="25" name="object 34">
             <a:extLst>
               <a:ext uri="{FF2B5EF4-FFF2-40B4-BE49-F238E27FC236}">
-                <a16:creationId xmlns:a16="http://schemas.microsoft.com/office/drawing/2014/main" id="{6227FC88-E04B-4CD0-B4F2-122763BDD8D4}"/>
+                <a16:creationId xmlns:a16="http://schemas.microsoft.com/office/drawing/2014/main" xmlns="" id="{6227FC88-E04B-4CD0-B4F2-122763BDD8D4}"/>
               </a:ext>
             </a:extLst>
           </p:cNvPr>
@@ -10307,7 +10314,7 @@
           <p:cNvPr id="26" name="Picture 2">
             <a:extLst>
               <a:ext uri="{FF2B5EF4-FFF2-40B4-BE49-F238E27FC236}">
-                <a16:creationId xmlns:a16="http://schemas.microsoft.com/office/drawing/2014/main" id="{9271C645-5260-4D05-8580-C0867849B38F}"/>
+                <a16:creationId xmlns:a16="http://schemas.microsoft.com/office/drawing/2014/main" xmlns="" id="{9271C645-5260-4D05-8580-C0867849B38F}"/>
               </a:ext>
             </a:extLst>
           </p:cNvPr>
@@ -10354,7 +10361,7 @@
           <p:cNvPr id="1026" name="Picture 2" descr="민원센터] 주민등록등본, 주민등록초본, 주민등록등초본 : 네이버 블로그">
             <a:extLst>
               <a:ext uri="{FF2B5EF4-FFF2-40B4-BE49-F238E27FC236}">
-                <a16:creationId xmlns:a16="http://schemas.microsoft.com/office/drawing/2014/main" id="{56428151-159B-4978-A411-D8BA5A62CE42}"/>
+                <a16:creationId xmlns:a16="http://schemas.microsoft.com/office/drawing/2014/main" xmlns="" id="{56428151-159B-4978-A411-D8BA5A62CE42}"/>
               </a:ext>
             </a:extLst>
           </p:cNvPr>
@@ -10401,7 +10408,7 @@
           <p:cNvPr id="28" name="Picture 2" descr="민원센터] 주민등록등본, 주민등록초본, 주민등록등초본 : 네이버 블로그">
             <a:extLst>
               <a:ext uri="{FF2B5EF4-FFF2-40B4-BE49-F238E27FC236}">
-                <a16:creationId xmlns:a16="http://schemas.microsoft.com/office/drawing/2014/main" id="{AA4001A9-7BC7-44BE-ACF5-79F99AACC727}"/>
+                <a16:creationId xmlns:a16="http://schemas.microsoft.com/office/drawing/2014/main" xmlns="" id="{AA4001A9-7BC7-44BE-ACF5-79F99AACC727}"/>
               </a:ext>
             </a:extLst>
           </p:cNvPr>
@@ -10446,7 +10453,7 @@
           <p:cNvPr id="27" name="Picture 2" descr="민원센터] 주민등록등본, 주민등록초본, 주민등록등초본 : 네이버 블로그">
             <a:extLst>
               <a:ext uri="{FF2B5EF4-FFF2-40B4-BE49-F238E27FC236}">
-                <a16:creationId xmlns:a16="http://schemas.microsoft.com/office/drawing/2014/main" id="{AE7898C9-6766-40DA-985F-B33C9C00FC60}"/>
+                <a16:creationId xmlns:a16="http://schemas.microsoft.com/office/drawing/2014/main" xmlns="" id="{AE7898C9-6766-40DA-985F-B33C9C00FC60}"/>
               </a:ext>
             </a:extLst>
           </p:cNvPr>
@@ -10493,7 +10500,7 @@
           <p:cNvPr id="16" name="직사각형 34">
             <a:extLst>
               <a:ext uri="{FF2B5EF4-FFF2-40B4-BE49-F238E27FC236}">
-                <a16:creationId xmlns:a16="http://schemas.microsoft.com/office/drawing/2014/main" id="{485524A4-AED8-4FB9-B5D6-A90C9D4CD5FB}"/>
+                <a16:creationId xmlns:a16="http://schemas.microsoft.com/office/drawing/2014/main" xmlns="" id="{485524A4-AED8-4FB9-B5D6-A90C9D4CD5FB}"/>
               </a:ext>
             </a:extLst>
           </p:cNvPr>
@@ -10550,7 +10557,7 @@
           <p:cNvPr id="3" name="Picture 2">
             <a:extLst>
               <a:ext uri="{FF2B5EF4-FFF2-40B4-BE49-F238E27FC236}">
-                <a16:creationId xmlns:a16="http://schemas.microsoft.com/office/drawing/2014/main" id="{4826AEC4-757C-49DD-ACFA-22D1EED400DE}"/>
+                <a16:creationId xmlns:a16="http://schemas.microsoft.com/office/drawing/2014/main" xmlns="" id="{4826AEC4-757C-49DD-ACFA-22D1EED400DE}"/>
               </a:ext>
             </a:extLst>
           </p:cNvPr>
@@ -10580,7 +10587,7 @@
           <p:cNvPr id="29" name="Picture 2" descr="민원센터] 주민등록등본, 주민등록초본, 주민등록등초본 : 네이버 블로그">
             <a:extLst>
               <a:ext uri="{FF2B5EF4-FFF2-40B4-BE49-F238E27FC236}">
-                <a16:creationId xmlns:a16="http://schemas.microsoft.com/office/drawing/2014/main" id="{E60C4193-7359-4C22-98FD-7EB8CC0B7C96}"/>
+                <a16:creationId xmlns:a16="http://schemas.microsoft.com/office/drawing/2014/main" xmlns="" id="{E60C4193-7359-4C22-98FD-7EB8CC0B7C96}"/>
               </a:ext>
             </a:extLst>
           </p:cNvPr>
@@ -10625,7 +10632,7 @@
           <p:cNvPr id="31" name="직사각형 34">
             <a:extLst>
               <a:ext uri="{FF2B5EF4-FFF2-40B4-BE49-F238E27FC236}">
-                <a16:creationId xmlns:a16="http://schemas.microsoft.com/office/drawing/2014/main" id="{3283F458-C09C-4B41-A0AA-FD63E003035E}"/>
+                <a16:creationId xmlns:a16="http://schemas.microsoft.com/office/drawing/2014/main" xmlns="" id="{3283F458-C09C-4B41-A0AA-FD63E003035E}"/>
               </a:ext>
             </a:extLst>
           </p:cNvPr>
@@ -10682,7 +10689,7 @@
           <p:cNvPr id="4" name="Picture 3">
             <a:extLst>
               <a:ext uri="{FF2B5EF4-FFF2-40B4-BE49-F238E27FC236}">
-                <a16:creationId xmlns:a16="http://schemas.microsoft.com/office/drawing/2014/main" id="{E73AB133-86EA-43A8-A99E-54DB76D2DE5C}"/>
+                <a16:creationId xmlns:a16="http://schemas.microsoft.com/office/drawing/2014/main" xmlns="" id="{E73AB133-86EA-43A8-A99E-54DB76D2DE5C}"/>
               </a:ext>
             </a:extLst>
           </p:cNvPr>
@@ -10763,7 +10770,7 @@
     </a:clrScheme>
     <a:fontScheme name="Office 테마">
       <a:majorFont>
-        <a:latin typeface="Calibri Light" panose="020F0302020204030204"/>
+        <a:latin typeface="Calibri Light"/>
         <a:ea typeface=""/>
         <a:cs typeface=""/>
         <a:font script="Jpan" typeface="游ゴシック Light"/>
@@ -10798,7 +10805,7 @@
         <a:font script="Geor" typeface="Sylfaen"/>
       </a:majorFont>
       <a:minorFont>
-        <a:latin typeface="Calibri" panose="020F0502020204030204"/>
+        <a:latin typeface="Calibri"/>
         <a:ea typeface=""/>
         <a:cs typeface=""/>
         <a:font script="Jpan" typeface="游ゴシック"/>
@@ -10975,7 +10982,7 @@
   <a:extraClrSchemeLst/>
   <a:extLst>
     <a:ext uri="{05A4C25C-085E-4340-85A3-A5531E510DB2}">
-      <thm15:themeFamily xmlns:thm15="http://schemas.microsoft.com/office/thememl/2012/main" name="Office Theme" id="{62F939B6-93AF-4DB8-9C6B-D6C7DFDC589F}" vid="{4A3C46E8-61CC-4603-A589-7422A47A8E4A}"/>
+      <thm15:themeFamily xmlns:thm15="http://schemas.microsoft.com/office/thememl/2012/main" xmlns="" name="Office Theme" id="{62F939B6-93AF-4DB8-9C6B-D6C7DFDC589F}" vid="{4A3C46E8-61CC-4603-A589-7422A47A8E4A}"/>
     </a:ext>
   </a:extLst>
 </a:theme>
@@ -11024,7 +11031,7 @@
     </a:clrScheme>
     <a:fontScheme name="Office">
       <a:majorFont>
-        <a:latin typeface="맑은 고딕" panose="020F0302020204030204"/>
+        <a:latin typeface="맑은 고딕"/>
         <a:ea typeface=""/>
         <a:cs typeface=""/>
         <a:font script="Jpan" typeface="游ゴシック Light"/>
@@ -11076,7 +11083,7 @@
         <a:font script="Tfng" typeface="Ebrima"/>
       </a:majorFont>
       <a:minorFont>
-        <a:latin typeface="맑은 고딕" panose="020F0502020204030204"/>
+        <a:latin typeface="맑은 고딕"/>
         <a:ea typeface=""/>
         <a:cs typeface=""/>
         <a:font script="Jpan" typeface="游ゴシック"/>
@@ -11270,19 +11277,16 @@
   <a:extraClrSchemeLst/>
   <a:extLst>
     <a:ext uri="{05A4C25C-085E-4340-85A3-A5531E510DB2}">
-      <thm15:themeFamily xmlns:thm15="http://schemas.microsoft.com/office/thememl/2012/main" name="Office Theme" id="{62F939B6-93AF-4DB8-9C6B-D6C7DFDC589F}" vid="{4A3C46E8-61CC-4603-A589-7422A47A8E4A}"/>
+      <thm15:themeFamily xmlns:thm15="http://schemas.microsoft.com/office/thememl/2012/main" xmlns="" name="Office Theme" id="{62F939B6-93AF-4DB8-9C6B-D6C7DFDC589F}" vid="{4A3C46E8-61CC-4603-A589-7422A47A8E4A}"/>
     </a:ext>
   </a:extLst>
 </a:theme>
 </file>
 
 <file path=customXml/item1.xml><?xml version="1.0" encoding="utf-8"?>
-<?mso-contentType ?>
-<FormTemplates xmlns="http://schemas.microsoft.com/sharepoint/v3/contenttype/forms">
-  <Display>DocumentLibraryForm</Display>
-  <Edit>DocumentLibraryForm</Edit>
-  <New>DocumentLibraryForm</New>
-</FormTemplates>
+<p:properties xmlns:p="http://schemas.microsoft.com/office/2006/metadata/properties" xmlns:xsi="http://www.w3.org/2001/XMLSchema-instance" xmlns:pc="http://schemas.microsoft.com/office/infopath/2007/PartnerControls">
+  <documentManagement/>
+</p:properties>
 </file>
 
 <file path=customXml/item2.xml><?xml version="1.0" encoding="utf-8"?>
@@ -11509,15 +11513,19 @@
 </file>
 
 <file path=customXml/item3.xml><?xml version="1.0" encoding="utf-8"?>
-<p:properties xmlns:p="http://schemas.microsoft.com/office/2006/metadata/properties" xmlns:xsi="http://www.w3.org/2001/XMLSchema-instance" xmlns:pc="http://schemas.microsoft.com/office/infopath/2007/PartnerControls">
-  <documentManagement/>
-</p:properties>
+<?mso-contentType ?>
+<FormTemplates xmlns="http://schemas.microsoft.com/sharepoint/v3/contenttype/forms">
+  <Display>DocumentLibraryForm</Display>
+  <Edit>DocumentLibraryForm</Edit>
+  <New>DocumentLibraryForm</New>
+</FormTemplates>
 </file>
 
 <file path=customXml/itemProps1.xml><?xml version="1.0" encoding="utf-8"?>
-<ds:datastoreItem xmlns:ds="http://schemas.openxmlformats.org/officeDocument/2006/customXml" ds:itemID="{CFC69C8A-4A45-44A4-AEB8-514C81C6D8DD}">
+<ds:datastoreItem xmlns:ds="http://schemas.openxmlformats.org/officeDocument/2006/customXml" ds:itemID="{1CDAF2AD-4B62-4B29-8F6F-A4BC18232709}">
   <ds:schemaRefs>
-    <ds:schemaRef ds:uri="http://schemas.microsoft.com/sharepoint/v3/contenttype/forms"/>
+    <ds:schemaRef ds:uri="http://schemas.microsoft.com/office/2006/metadata/properties"/>
+    <ds:schemaRef ds:uri="http://schemas.microsoft.com/office/infopath/2007/PartnerControls"/>
   </ds:schemaRefs>
 </ds:datastoreItem>
 </file>
@@ -11542,10 +11550,9 @@
 </file>
 
 <file path=customXml/itemProps3.xml><?xml version="1.0" encoding="utf-8"?>
-<ds:datastoreItem xmlns:ds="http://schemas.openxmlformats.org/officeDocument/2006/customXml" ds:itemID="{1CDAF2AD-4B62-4B29-8F6F-A4BC18232709}">
+<ds:datastoreItem xmlns:ds="http://schemas.openxmlformats.org/officeDocument/2006/customXml" ds:itemID="{CFC69C8A-4A45-44A4-AEB8-514C81C6D8DD}">
   <ds:schemaRefs>
-    <ds:schemaRef ds:uri="http://schemas.microsoft.com/office/2006/metadata/properties"/>
-    <ds:schemaRef ds:uri="http://schemas.microsoft.com/office/infopath/2007/PartnerControls"/>
+    <ds:schemaRef ds:uri="http://schemas.microsoft.com/sharepoint/v3/contenttype/forms"/>
   </ds:schemaRefs>
 </ds:datastoreItem>
 </file>